--- a/jdh1/PPT_0_TEAM2_12월1일_오전최종.pptx
+++ b/jdh1/PPT_0_TEAM2_12월1일_오전최종.pptx
@@ -12280,21 +12280,7 @@
                 <a:latin typeface="G마켓 산스 TTF Light" panose="02000000000000000000" pitchFamily="2" charset="-127"/>
                 <a:ea typeface="G마켓 산스 TTF Light" panose="02000000000000000000" pitchFamily="2" charset="-127"/>
               </a:rPr>
-              <a:t>년의 </a:t>
-            </a:r>
-            <a:r>
-              <a:rPr lang="ko-KR" altLang="en-US" dirty="0" err="1">
-                <a:latin typeface="G마켓 산스 TTF Light" panose="02000000000000000000" pitchFamily="2" charset="-127"/>
-                <a:ea typeface="G마켓 산스 TTF Light" panose="02000000000000000000" pitchFamily="2" charset="-127"/>
-              </a:rPr>
-              <a:t>증감율</a:t>
-            </a:r>
-            <a:r>
-              <a:rPr lang="ko-KR" altLang="en-US" dirty="0">
-                <a:latin typeface="G마켓 산스 TTF Light" panose="02000000000000000000" pitchFamily="2" charset="-127"/>
-                <a:ea typeface="G마켓 산스 TTF Light" panose="02000000000000000000" pitchFamily="2" charset="-127"/>
-              </a:rPr>
-              <a:t> 모두 증가</a:t>
+              <a:t>년 모두 증가</a:t>
             </a:r>
             <a:endParaRPr lang="en-US" altLang="ko-KR" dirty="0">
               <a:latin typeface="G마켓 산스 TTF Light" panose="02000000000000000000" pitchFamily="2" charset="-127"/>
@@ -12771,19 +12757,8 @@
                 <a:latin typeface="G마켓 산스 TTF Light" panose="02000000000000000000" pitchFamily="2" charset="-127"/>
                 <a:ea typeface="G마켓 산스 TTF Light" panose="02000000000000000000" pitchFamily="2" charset="-127"/>
               </a:rPr>
-              <a:t>다운로드 횟수</a:t>
-            </a:r>
-            <a:r>
-              <a:rPr lang="en-US" altLang="ko-KR" dirty="0">
-                <a:latin typeface="G마켓 산스 TTF Light" panose="02000000000000000000" pitchFamily="2" charset="-127"/>
-                <a:ea typeface="G마켓 산스 TTF Light" panose="02000000000000000000" pitchFamily="2" charset="-127"/>
-              </a:rPr>
-              <a:t> </a:t>
-            </a:r>
-            <a:endParaRPr lang="ko-KR" altLang="en-US" dirty="0">
-              <a:latin typeface="G마켓 산스 TTF Light" panose="02000000000000000000" pitchFamily="2" charset="-127"/>
-              <a:ea typeface="G마켓 산스 TTF Light" panose="02000000000000000000" pitchFamily="2" charset="-127"/>
-            </a:endParaRPr>
+              <a:t>앱 이용 증가율</a:t>
+            </a:r>
           </a:p>
         </p:txBody>
       </p:sp>
@@ -12839,7 +12814,7 @@
                 <a:latin typeface="G마켓 산스 TTF Medium" panose="02000000000000000000" pitchFamily="2" charset="-127"/>
                 <a:ea typeface="G마켓 산스 TTF Medium" panose="02000000000000000000" pitchFamily="2" charset="-127"/>
               </a:rPr>
-              <a:t> 다운로드 </a:t>
+              <a:t>앱 이용 </a:t>
             </a:r>
             <a:r>
               <a:rPr lang="ko-KR" altLang="en-US" dirty="0">
@@ -31827,7 +31802,7 @@
                 <a:latin typeface="G마켓 산스 TTF Medium" panose="02000000000000000000" pitchFamily="2" charset="-127"/>
                 <a:ea typeface="G마켓 산스 TTF Medium" panose="02000000000000000000" pitchFamily="2" charset="-127"/>
               </a:rPr>
-              <a:t> 무관하게 영화관 이용율은 증가</a:t>
+              <a:t> 무관하게 영화관 이용률은 증가</a:t>
             </a:r>
             <a:r>
               <a:rPr lang="en-US" altLang="ko-KR" dirty="0">
